--- a/res/source/logo.pptx
+++ b/res/source/logo.pptx
@@ -4,6 +4,9 @@
   <p:sldMasterIdLst>
     <p:sldMasterId id="2147483648" r:id="rId1"/>
   </p:sldMasterIdLst>
+  <p:sldIdLst>
+    <p:sldId id="256" r:id="rId2"/>
+  </p:sldIdLst>
   <p:sldSz cx="12192000" cy="6858000"/>
   <p:notesSz cx="6858000" cy="9144000"/>
   <p:defaultTextStyle>
@@ -102,19 +105,6 @@
     </a:lvl9pPr>
   </p:defaultTextStyle>
   <p:extLst>
-    <p:ext uri="{521415D9-36F7-43E2-AB2F-B90AF26B5E84}">
-      <p14:sectionLst xmlns:p14="http://schemas.microsoft.com/office/powerpoint/2010/main">
-        <p14:section name="默认节" id="{76544272-BFFA-D74A-87F8-16FBBE3FF6ED}">
-          <p14:sldIdLst/>
-        </p14:section>
-        <p14:section name="History" id="{91D6F4C0-5A5E-1744-A014-389F4E01FBF9}">
-          <p14:sldIdLst/>
-        </p14:section>
-        <p14:section name="Source" id="{145910FF-E88B-7B4A-92A9-9A4BDD1A203D}">
-          <p14:sldIdLst/>
-        </p14:section>
-      </p14:sectionLst>
-    </p:ext>
     <p:ext uri="{EFAFB233-063F-42B5-8137-9DF3F51BA10A}">
       <p15:sldGuideLst xmlns:p15="http://schemas.microsoft.com/office/powerpoint/2012/main"/>
     </p:ext>
@@ -269,7 +259,7 @@
           <a:p>
             <a:fld id="{744C5FE4-9444-4348-A0C7-888A6C2E1DB1}" type="datetimeFigureOut">
               <a:rPr lang="zh-CN" altLang="en-US" smtClean="0"/>
-              <a:t>2022/08/07 Sunday</a:t>
+              <a:t>2022/08/21 Sunday</a:t>
             </a:fld>
             <a:endParaRPr lang="zh-CN" altLang="en-US"/>
           </a:p>
@@ -467,7 +457,7 @@
           <a:p>
             <a:fld id="{744C5FE4-9444-4348-A0C7-888A6C2E1DB1}" type="datetimeFigureOut">
               <a:rPr lang="zh-CN" altLang="en-US" smtClean="0"/>
-              <a:t>2022/08/07 Sunday</a:t>
+              <a:t>2022/08/21 Sunday</a:t>
             </a:fld>
             <a:endParaRPr lang="zh-CN" altLang="en-US"/>
           </a:p>
@@ -675,7 +665,7 @@
           <a:p>
             <a:fld id="{744C5FE4-9444-4348-A0C7-888A6C2E1DB1}" type="datetimeFigureOut">
               <a:rPr lang="zh-CN" altLang="en-US" smtClean="0"/>
-              <a:t>2022/08/07 Sunday</a:t>
+              <a:t>2022/08/21 Sunday</a:t>
             </a:fld>
             <a:endParaRPr lang="zh-CN" altLang="en-US"/>
           </a:p>
@@ -873,7 +863,7 @@
           <a:p>
             <a:fld id="{744C5FE4-9444-4348-A0C7-888A6C2E1DB1}" type="datetimeFigureOut">
               <a:rPr lang="zh-CN" altLang="en-US" smtClean="0"/>
-              <a:t>2022/08/07 Sunday</a:t>
+              <a:t>2022/08/21 Sunday</a:t>
             </a:fld>
             <a:endParaRPr lang="zh-CN" altLang="en-US"/>
           </a:p>
@@ -1148,7 +1138,7 @@
           <a:p>
             <a:fld id="{744C5FE4-9444-4348-A0C7-888A6C2E1DB1}" type="datetimeFigureOut">
               <a:rPr lang="zh-CN" altLang="en-US" smtClean="0"/>
-              <a:t>2022/08/07 Sunday</a:t>
+              <a:t>2022/08/21 Sunday</a:t>
             </a:fld>
             <a:endParaRPr lang="zh-CN" altLang="en-US"/>
           </a:p>
@@ -1413,7 +1403,7 @@
           <a:p>
             <a:fld id="{744C5FE4-9444-4348-A0C7-888A6C2E1DB1}" type="datetimeFigureOut">
               <a:rPr lang="zh-CN" altLang="en-US" smtClean="0"/>
-              <a:t>2022/08/07 Sunday</a:t>
+              <a:t>2022/08/21 Sunday</a:t>
             </a:fld>
             <a:endParaRPr lang="zh-CN" altLang="en-US"/>
           </a:p>
@@ -1825,7 +1815,7 @@
           <a:p>
             <a:fld id="{744C5FE4-9444-4348-A0C7-888A6C2E1DB1}" type="datetimeFigureOut">
               <a:rPr lang="zh-CN" altLang="en-US" smtClean="0"/>
-              <a:t>2022/08/07 Sunday</a:t>
+              <a:t>2022/08/21 Sunday</a:t>
             </a:fld>
             <a:endParaRPr lang="zh-CN" altLang="en-US"/>
           </a:p>
@@ -1966,7 +1956,7 @@
           <a:p>
             <a:fld id="{744C5FE4-9444-4348-A0C7-888A6C2E1DB1}" type="datetimeFigureOut">
               <a:rPr lang="zh-CN" altLang="en-US" smtClean="0"/>
-              <a:t>2022/08/07 Sunday</a:t>
+              <a:t>2022/08/21 Sunday</a:t>
             </a:fld>
             <a:endParaRPr lang="zh-CN" altLang="en-US"/>
           </a:p>
@@ -2079,7 +2069,7 @@
           <a:p>
             <a:fld id="{744C5FE4-9444-4348-A0C7-888A6C2E1DB1}" type="datetimeFigureOut">
               <a:rPr lang="zh-CN" altLang="en-US" smtClean="0"/>
-              <a:t>2022/08/07 Sunday</a:t>
+              <a:t>2022/08/21 Sunday</a:t>
             </a:fld>
             <a:endParaRPr lang="zh-CN" altLang="en-US"/>
           </a:p>
@@ -2390,7 +2380,7 @@
           <a:p>
             <a:fld id="{744C5FE4-9444-4348-A0C7-888A6C2E1DB1}" type="datetimeFigureOut">
               <a:rPr lang="zh-CN" altLang="en-US" smtClean="0"/>
-              <a:t>2022/08/07 Sunday</a:t>
+              <a:t>2022/08/21 Sunday</a:t>
             </a:fld>
             <a:endParaRPr lang="zh-CN" altLang="en-US"/>
           </a:p>
@@ -2678,7 +2668,7 @@
           <a:p>
             <a:fld id="{744C5FE4-9444-4348-A0C7-888A6C2E1DB1}" type="datetimeFigureOut">
               <a:rPr lang="zh-CN" altLang="en-US" smtClean="0"/>
-              <a:t>2022/08/07 Sunday</a:t>
+              <a:t>2022/08/21 Sunday</a:t>
             </a:fld>
             <a:endParaRPr lang="zh-CN" altLang="en-US"/>
           </a:p>
@@ -2919,7 +2909,7 @@
           <a:p>
             <a:fld id="{744C5FE4-9444-4348-A0C7-888A6C2E1DB1}" type="datetimeFigureOut">
               <a:rPr lang="zh-CN" altLang="en-US" smtClean="0"/>
-              <a:t>2022/08/07 Sunday</a:t>
+              <a:t>2022/08/21 Sunday</a:t>
             </a:fld>
             <a:endParaRPr lang="zh-CN" altLang="en-US"/>
           </a:p>
@@ -3319,6 +3309,108 @@
 </p:sldMaster>
 </file>
 
+<file path=ppt/slides/slide1.xml><?xml version="1.0" encoding="utf-8"?>
+<p:sld xmlns:a="http://schemas.openxmlformats.org/drawingml/2006/main" xmlns:r="http://schemas.openxmlformats.org/officeDocument/2006/relationships" xmlns:p="http://schemas.openxmlformats.org/presentationml/2006/main">
+  <p:cSld>
+    <p:spTree>
+      <p:nvGrpSpPr>
+        <p:cNvPr id="1" name=""/>
+        <p:cNvGrpSpPr/>
+        <p:nvPr/>
+      </p:nvGrpSpPr>
+      <p:grpSpPr>
+        <a:xfrm>
+          <a:off x="0" y="0"/>
+          <a:ext cx="0" cy="0"/>
+          <a:chOff x="0" y="0"/>
+          <a:chExt cx="0" cy="0"/>
+        </a:xfrm>
+      </p:grpSpPr>
+      <p:pic>
+        <p:nvPicPr>
+          <p:cNvPr id="5" name="图片 4">
+            <a:extLst>
+              <a:ext uri="{FF2B5EF4-FFF2-40B4-BE49-F238E27FC236}">
+                <a16:creationId xmlns:a16="http://schemas.microsoft.com/office/drawing/2014/main" id="{9B47AEC7-7DF1-4B59-9C7B-E12323A4AF3F}"/>
+              </a:ext>
+            </a:extLst>
+          </p:cNvPr>
+          <p:cNvPicPr>
+            <a:picLocks noChangeAspect="1"/>
+          </p:cNvPicPr>
+          <p:nvPr/>
+        </p:nvPicPr>
+        <p:blipFill>
+          <a:blip r:embed="rId2">
+            <a:extLst>
+              <a:ext uri="{28A0092B-C50C-407E-A947-70E740481C1C}">
+                <a14:useLocalDpi xmlns:a14="http://schemas.microsoft.com/office/drawing/2010/main" val="0"/>
+              </a:ext>
+            </a:extLst>
+          </a:blip>
+          <a:stretch>
+            <a:fillRect/>
+          </a:stretch>
+        </p:blipFill>
+        <p:spPr>
+          <a:xfrm>
+            <a:off x="4696846" y="1411282"/>
+            <a:ext cx="2798307" cy="2798307"/>
+          </a:xfrm>
+          <a:prstGeom prst="rect">
+            <a:avLst/>
+          </a:prstGeom>
+        </p:spPr>
+      </p:pic>
+      <p:sp>
+        <p:nvSpPr>
+          <p:cNvPr id="6" name="文本框 5">
+            <a:extLst>
+              <a:ext uri="{FF2B5EF4-FFF2-40B4-BE49-F238E27FC236}">
+                <a16:creationId xmlns:a16="http://schemas.microsoft.com/office/drawing/2014/main" id="{8C198734-B0F9-4682-B738-B4435E25DE59}"/>
+              </a:ext>
+            </a:extLst>
+          </p:cNvPr>
+          <p:cNvSpPr txBox="1"/>
+          <p:nvPr/>
+        </p:nvSpPr>
+        <p:spPr>
+          <a:xfrm>
+            <a:off x="3021105" y="4589929"/>
+            <a:ext cx="6149788" cy="923330"/>
+          </a:xfrm>
+          <a:prstGeom prst="rect">
+            <a:avLst/>
+          </a:prstGeom>
+          <a:noFill/>
+        </p:spPr>
+        <p:txBody>
+          <a:bodyPr wrap="square" rtlCol="0">
+            <a:spAutoFit/>
+          </a:bodyPr>
+          <a:lstStyle/>
+          <a:p>
+            <a:pPr algn="ctr"/>
+            <a:r>
+              <a:rPr lang="zh-CN" altLang="en-US" sz="5400" dirty="0"/>
+              <a:t>孤岛笔记 客户端</a:t>
+            </a:r>
+          </a:p>
+        </p:txBody>
+      </p:sp>
+    </p:spTree>
+    <p:extLst>
+      <p:ext uri="{BB962C8B-B14F-4D97-AF65-F5344CB8AC3E}">
+        <p14:creationId xmlns:p14="http://schemas.microsoft.com/office/powerpoint/2010/main" val="2695412252"/>
+      </p:ext>
+    </p:extLst>
+  </p:cSld>
+  <p:clrMapOvr>
+    <a:masterClrMapping/>
+  </p:clrMapOvr>
+</p:sld>
+</file>
+
 <file path=ppt/theme/theme1.xml><?xml version="1.0" encoding="utf-8"?>
 <a:theme xmlns:a="http://schemas.openxmlformats.org/drawingml/2006/main" name="Office 主题​​">
   <a:themeElements>
